--- a/vitis_slides/01_Class_Intro.PPTX
+++ b/vitis_slides/01_Class_Intro.PPTX
@@ -225,7 +225,7 @@
           <a:p>
             <a:fld id="{279EEC3C-A001-4107-B54E-3DA93EFF18E7}" type="datetimeFigureOut">
               <a:rPr lang="en-US" smtClean="0"/>
-              <a:t>3/14/2022</a:t>
+              <a:t>3/28/2022</a:t>
             </a:fld>
             <a:endParaRPr lang="en-US"/>
           </a:p>
@@ -403,7 +403,7 @@
             <a:fld id="{396E16B4-3FB2-4CDC-BEBF-CD70C72EF480}" type="datetimeFigureOut">
               <a:rPr lang="en-US" smtClean="0"/>
               <a:pPr/>
-              <a:t>3/14/2022</a:t>
+              <a:t>3/28/2022</a:t>
             </a:fld>
             <a:endParaRPr lang="en-US"/>
           </a:p>
@@ -3828,47 +3828,6 @@
           </a:p>
         </p:txBody>
       </p:sp>
-      <p:sp>
-        <p:nvSpPr>
-          <p:cNvPr id="4" name="fc" descr=" ">
-            <a:extLst>
-              <a:ext uri="{FF2B5EF4-FFF2-40B4-BE49-F238E27FC236}">
-                <a16:creationId xmlns:a16="http://schemas.microsoft.com/office/drawing/2014/main" id="{2512EF35-E7CE-4F2F-A701-CEDB43450107}"/>
-              </a:ext>
-            </a:extLst>
-          </p:cNvPr>
-          <p:cNvSpPr txBox="1"/>
-          <p:nvPr userDrawn="1"/>
-        </p:nvSpPr>
-        <p:spPr>
-          <a:xfrm>
-            <a:off x="0" y="6537960"/>
-            <a:ext cx="12192000" cy="223138"/>
-          </a:xfrm>
-          <a:prstGeom prst="rect">
-            <a:avLst/>
-          </a:prstGeom>
-          <a:noFill/>
-        </p:spPr>
-        <p:txBody>
-          <a:bodyPr vert="horz" rtlCol="0">
-            <a:spAutoFit/>
-          </a:bodyPr>
-          <a:lstStyle/>
-          <a:p>
-            <a:pPr algn="ctr"/>
-            <a:r>
-              <a:rPr lang="en-US" sz="850" b="0" i="0" u="none" baseline="0">
-                <a:solidFill>
-                  <a:srgbClr val="000000"/>
-                </a:solidFill>
-                <a:latin typeface="Microsoft Sans Serif" panose="020B0604020202020204" pitchFamily="34" charset="0"/>
-              </a:rPr>
-              <a:t> </a:t>
-            </a:r>
-          </a:p>
-        </p:txBody>
-      </p:sp>
       <p:pic>
         <p:nvPicPr>
           <p:cNvPr id="7" name="Picture 6">
@@ -3899,6 +3858,56 @@
           </a:prstGeom>
         </p:spPr>
       </p:pic>
+      <p:sp>
+        <p:nvSpPr>
+          <p:cNvPr id="6" name="fc" descr="&#10;© Copyright 2022 AMD">
+            <a:extLst>
+              <a:ext uri="{FF2B5EF4-FFF2-40B4-BE49-F238E27FC236}">
+                <a16:creationId xmlns:a16="http://schemas.microsoft.com/office/drawing/2014/main" id="{843C25D3-8609-4518-B637-F0B7114E85EA}"/>
+              </a:ext>
+            </a:extLst>
+          </p:cNvPr>
+          <p:cNvSpPr txBox="1"/>
+          <p:nvPr userDrawn="1"/>
+        </p:nvSpPr>
+        <p:spPr>
+          <a:xfrm>
+            <a:off x="0" y="6512560"/>
+            <a:ext cx="12192000" cy="377026"/>
+          </a:xfrm>
+          <a:prstGeom prst="rect">
+            <a:avLst/>
+          </a:prstGeom>
+          <a:noFill/>
+        </p:spPr>
+        <p:txBody>
+          <a:bodyPr vert="horz" rtlCol="0">
+            <a:spAutoFit/>
+          </a:bodyPr>
+          <a:lstStyle/>
+          <a:p>
+            <a:pPr algn="ctr"/>
+            <a:endParaRPr lang="en-US" sz="850" b="0" i="0" u="none" baseline="0">
+              <a:solidFill>
+                <a:srgbClr val="000000"/>
+              </a:solidFill>
+              <a:latin typeface="Microsoft Sans Serif" panose="020B0604020202020204" pitchFamily="34" charset="0"/>
+            </a:endParaRPr>
+          </a:p>
+          <a:p>
+            <a:pPr algn="ctr"/>
+            <a:r>
+              <a:rPr lang="en-US" sz="1000" b="0" i="0" u="none" baseline="0">
+                <a:solidFill>
+                  <a:srgbClr val="000000"/>
+                </a:solidFill>
+                <a:latin typeface="Arial" panose="020B0604020202020204" pitchFamily="34" charset="0"/>
+              </a:rPr>
+              <a:t>© Copyright 2022 AMD</a:t>
+            </a:r>
+          </a:p>
+        </p:txBody>
+      </p:sp>
     </p:spTree>
     <p:extLst>
       <p:ext uri="{BB962C8B-B14F-4D97-AF65-F5344CB8AC3E}">
@@ -4518,46 +4527,6 @@
       </p:sp>
       <p:sp>
         <p:nvSpPr>
-          <p:cNvPr id="6" name="Footer Placeholder 16">
-            <a:extLst>
-              <a:ext uri="{FF2B5EF4-FFF2-40B4-BE49-F238E27FC236}">
-                <a16:creationId xmlns:a16="http://schemas.microsoft.com/office/drawing/2014/main" id="{0A142047-BA7B-4D9B-B43E-8C20B67DA9F8}"/>
-              </a:ext>
-            </a:extLst>
-          </p:cNvPr>
-          <p:cNvSpPr>
-            <a:spLocks noGrp="1"/>
-          </p:cNvSpPr>
-          <p:nvPr>
-            <p:ph type="ftr" sz="quarter" idx="3"/>
-          </p:nvPr>
-        </p:nvSpPr>
-        <p:spPr>
-          <a:prstGeom prst="rect">
-            <a:avLst/>
-          </a:prstGeom>
-        </p:spPr>
-        <p:txBody>
-          <a:bodyPr vert="horz" lIns="91440" tIns="45720" rIns="91440" bIns="45720" rtlCol="0" anchor="ctr"/>
-          <a:lstStyle>
-            <a:lvl1pPr algn="ctr">
-              <a:defRPr sz="1000">
-                <a:solidFill>
-                  <a:schemeClr val="tx1"/>
-                </a:solidFill>
-              </a:defRPr>
-            </a:lvl1pPr>
-          </a:lstStyle>
-          <a:p>
-            <a:r>
-              <a:rPr lang="en-US" dirty="0"/>
-              <a:t>© Copyright 2018 Xilinx</a:t>
-            </a:r>
-          </a:p>
-        </p:txBody>
-      </p:sp>
-      <p:sp>
-        <p:nvSpPr>
           <p:cNvPr id="5" name="Slide Number Placeholder 4">
             <a:extLst>
               <a:ext uri="{FF2B5EF4-FFF2-40B4-BE49-F238E27FC236}">
@@ -4707,46 +4676,6 @@
             <a:r>
               <a:rPr lang="en-US" dirty="0"/>
               <a:t>Data Types</a:t>
-            </a:r>
-          </a:p>
-        </p:txBody>
-      </p:sp>
-      <p:sp>
-        <p:nvSpPr>
-          <p:cNvPr id="6" name="Footer Placeholder 16">
-            <a:extLst>
-              <a:ext uri="{FF2B5EF4-FFF2-40B4-BE49-F238E27FC236}">
-                <a16:creationId xmlns:a16="http://schemas.microsoft.com/office/drawing/2014/main" id="{5EF3A203-3455-4027-903A-038022577DB8}"/>
-              </a:ext>
-            </a:extLst>
-          </p:cNvPr>
-          <p:cNvSpPr>
-            <a:spLocks noGrp="1"/>
-          </p:cNvSpPr>
-          <p:nvPr>
-            <p:ph type="ftr" sz="quarter" idx="3"/>
-          </p:nvPr>
-        </p:nvSpPr>
-        <p:spPr>
-          <a:prstGeom prst="rect">
-            <a:avLst/>
-          </a:prstGeom>
-        </p:spPr>
-        <p:txBody>
-          <a:bodyPr vert="horz" lIns="91440" tIns="45720" rIns="91440" bIns="45720" rtlCol="0" anchor="ctr"/>
-          <a:lstStyle>
-            <a:lvl1pPr algn="ctr">
-              <a:defRPr sz="1000">
-                <a:solidFill>
-                  <a:schemeClr val="tx1"/>
-                </a:solidFill>
-              </a:defRPr>
-            </a:lvl1pPr>
-          </a:lstStyle>
-          <a:p>
-            <a:r>
-              <a:rPr lang="en-US" dirty="0"/>
-              <a:t>© Copyright 2018 Xilinx</a:t>
             </a:r>
           </a:p>
         </p:txBody>
@@ -4899,46 +4828,6 @@
       </p:sp>
       <p:sp>
         <p:nvSpPr>
-          <p:cNvPr id="7" name="Footer Placeholder 16">
-            <a:extLst>
-              <a:ext uri="{FF2B5EF4-FFF2-40B4-BE49-F238E27FC236}">
-                <a16:creationId xmlns:a16="http://schemas.microsoft.com/office/drawing/2014/main" id="{45305CF6-C53C-4781-A999-BD8EFB332A27}"/>
-              </a:ext>
-            </a:extLst>
-          </p:cNvPr>
-          <p:cNvSpPr>
-            <a:spLocks noGrp="1"/>
-          </p:cNvSpPr>
-          <p:nvPr>
-            <p:ph type="ftr" sz="quarter" idx="3"/>
-          </p:nvPr>
-        </p:nvSpPr>
-        <p:spPr>
-          <a:prstGeom prst="rect">
-            <a:avLst/>
-          </a:prstGeom>
-        </p:spPr>
-        <p:txBody>
-          <a:bodyPr vert="horz" lIns="91440" tIns="45720" rIns="91440" bIns="45720" rtlCol="0" anchor="ctr"/>
-          <a:lstStyle>
-            <a:lvl1pPr algn="ctr">
-              <a:defRPr sz="1000">
-                <a:solidFill>
-                  <a:schemeClr val="tx1"/>
-                </a:solidFill>
-              </a:defRPr>
-            </a:lvl1pPr>
-          </a:lstStyle>
-          <a:p>
-            <a:r>
-              <a:rPr lang="en-US" dirty="0"/>
-              <a:t>© Copyright 2018 Xilinx</a:t>
-            </a:r>
-          </a:p>
-        </p:txBody>
-      </p:sp>
-      <p:sp>
-        <p:nvSpPr>
           <p:cNvPr id="2" name="Slide Number Placeholder 1">
             <a:extLst>
               <a:ext uri="{FF2B5EF4-FFF2-40B4-BE49-F238E27FC236}">
@@ -5060,46 +4949,6 @@
       </p:sp>
       <p:sp>
         <p:nvSpPr>
-          <p:cNvPr id="6" name="Footer Placeholder 16">
-            <a:extLst>
-              <a:ext uri="{FF2B5EF4-FFF2-40B4-BE49-F238E27FC236}">
-                <a16:creationId xmlns:a16="http://schemas.microsoft.com/office/drawing/2014/main" id="{DFFF4ECA-6E47-4B98-A02D-7CC105E67F77}"/>
-              </a:ext>
-            </a:extLst>
-          </p:cNvPr>
-          <p:cNvSpPr>
-            <a:spLocks noGrp="1"/>
-          </p:cNvSpPr>
-          <p:nvPr>
-            <p:ph type="ftr" sz="quarter" idx="3"/>
-          </p:nvPr>
-        </p:nvSpPr>
-        <p:spPr>
-          <a:prstGeom prst="rect">
-            <a:avLst/>
-          </a:prstGeom>
-        </p:spPr>
-        <p:txBody>
-          <a:bodyPr vert="horz" lIns="91440" tIns="45720" rIns="91440" bIns="45720" rtlCol="0" anchor="ctr"/>
-          <a:lstStyle>
-            <a:lvl1pPr algn="ctr">
-              <a:defRPr sz="1000">
-                <a:solidFill>
-                  <a:schemeClr val="tx1"/>
-                </a:solidFill>
-              </a:defRPr>
-            </a:lvl1pPr>
-          </a:lstStyle>
-          <a:p>
-            <a:r>
-              <a:rPr lang="en-US" dirty="0"/>
-              <a:t>© Copyright 2018 Xilinx</a:t>
-            </a:r>
-          </a:p>
-        </p:txBody>
-      </p:sp>
-      <p:sp>
-        <p:nvSpPr>
           <p:cNvPr id="2" name="Slide Number Placeholder 1">
             <a:extLst>
               <a:ext uri="{FF2B5EF4-FFF2-40B4-BE49-F238E27FC236}">
@@ -5299,46 +5148,6 @@
                 <a:ea typeface="宋体" charset="-122"/>
               </a:rPr>
               <a:t>Amazon Linux 2 AL2 LTS</a:t>
-            </a:r>
-          </a:p>
-        </p:txBody>
-      </p:sp>
-      <p:sp>
-        <p:nvSpPr>
-          <p:cNvPr id="6" name="Footer Placeholder 16">
-            <a:extLst>
-              <a:ext uri="{FF2B5EF4-FFF2-40B4-BE49-F238E27FC236}">
-                <a16:creationId xmlns:a16="http://schemas.microsoft.com/office/drawing/2014/main" id="{99BD93F0-2E99-4DA0-AD59-92D17B14C1FE}"/>
-              </a:ext>
-            </a:extLst>
-          </p:cNvPr>
-          <p:cNvSpPr>
-            <a:spLocks noGrp="1"/>
-          </p:cNvSpPr>
-          <p:nvPr>
-            <p:ph type="ftr" sz="quarter" idx="3"/>
-          </p:nvPr>
-        </p:nvSpPr>
-        <p:spPr>
-          <a:prstGeom prst="rect">
-            <a:avLst/>
-          </a:prstGeom>
-        </p:spPr>
-        <p:txBody>
-          <a:bodyPr vert="horz" lIns="91440" tIns="45720" rIns="91440" bIns="45720" rtlCol="0" anchor="ctr"/>
-          <a:lstStyle>
-            <a:lvl1pPr algn="ctr">
-              <a:defRPr sz="1000">
-                <a:solidFill>
-                  <a:schemeClr val="tx1"/>
-                </a:solidFill>
-              </a:defRPr>
-            </a:lvl1pPr>
-          </a:lstStyle>
-          <a:p>
-            <a:r>
-              <a:rPr lang="en-US" dirty="0"/>
-              <a:t>© Copyright 2018 Xilinx</a:t>
             </a:r>
           </a:p>
         </p:txBody>
@@ -6398,21 +6207,6 @@
 </file>
 
 <file path=customXml/item1.xml><?xml version="1.0" encoding="utf-8"?>
-<?mso-contentType ?>
-<FormTemplates xmlns="http://schemas.microsoft.com/sharepoint/v3/contenttype/forms">
-  <Display>DocumentLibraryForm</Display>
-  <Edit>DocumentLibraryForm</Edit>
-  <New>DocumentLibraryForm</New>
-</FormTemplates>
-</file>
-
-<file path=customXml/item2.xml><?xml version="1.0" encoding="utf-8"?>
-<p:properties xmlns:p="http://schemas.microsoft.com/office/2006/metadata/properties" xmlns:xsi="http://www.w3.org/2001/XMLSchema-instance" xmlns:pc="http://schemas.microsoft.com/office/infopath/2007/PartnerControls">
-  <documentManagement/>
-</p:properties>
-</file>
-
-<file path=customXml/item3.xml><?xml version="1.0" encoding="utf-8"?>
 <ct:contentTypeSchema xmlns:ct="http://schemas.microsoft.com/office/2006/metadata/contentType" xmlns:ma="http://schemas.microsoft.com/office/2006/metadata/properties/metaAttributes" ct:_="" ma:_="" ma:contentTypeName="Document" ma:contentTypeID="0x01010058A00A9B6178BD498632E37D0AD5CC8E" ma:contentTypeVersion="3" ma:contentTypeDescription="Create a new document." ma:contentTypeScope="" ma:versionID="fbaca91dc24b034817257c3a25d93af0">
   <xsd:schema xmlns:xsd="http://www.w3.org/2001/XMLSchema" xmlns:xs="http://www.w3.org/2001/XMLSchema" xmlns:p="http://schemas.microsoft.com/office/2006/metadata/properties" xmlns:ns2="ee71d666-e06f-4bed-b53d-75a975332d6d" targetNamespace="http://schemas.microsoft.com/office/2006/metadata/properties" ma:root="true" ma:fieldsID="14a92504b4f4f9b68fc7bcdaff1e0a50" ns2:_="">
     <xsd:import namespace="ee71d666-e06f-4bed-b53d-75a975332d6d"/>
@@ -6544,10 +6338,35 @@
 </ct:contentTypeSchema>
 </file>
 
+<file path=customXml/item2.xml><?xml version="1.0" encoding="utf-8"?>
+<p:properties xmlns:p="http://schemas.microsoft.com/office/2006/metadata/properties" xmlns:xsi="http://www.w3.org/2001/XMLSchema-instance" xmlns:pc="http://schemas.microsoft.com/office/infopath/2007/PartnerControls">
+  <documentManagement/>
+</p:properties>
+</file>
+
+<file path=customXml/item3.xml><?xml version="1.0" encoding="utf-8"?>
+<?mso-contentType ?>
+<FormTemplates xmlns="http://schemas.microsoft.com/sharepoint/v3/contenttype/forms">
+  <Display>DocumentLibraryForm</Display>
+  <Edit>DocumentLibraryForm</Edit>
+  <New>DocumentLibraryForm</New>
+</FormTemplates>
+</file>
+
 <file path=customXml/itemProps1.xml><?xml version="1.0" encoding="utf-8"?>
-<ds:datastoreItem xmlns:ds="http://schemas.openxmlformats.org/officeDocument/2006/customXml" ds:itemID="{ABE94A12-9E97-40EB-A974-3BC9F5C18103}">
+<ds:datastoreItem xmlns:ds="http://schemas.openxmlformats.org/officeDocument/2006/customXml" ds:itemID="{F4DF82DF-52AA-4D1D-AC7B-8F45A830CAFE}">
   <ds:schemaRefs>
-    <ds:schemaRef ds:uri="http://schemas.microsoft.com/sharepoint/v3/contenttype/forms"/>
+    <ds:schemaRef ds:uri="http://schemas.microsoft.com/office/2006/metadata/contentType"/>
+    <ds:schemaRef ds:uri="http://schemas.microsoft.com/office/2006/metadata/properties/metaAttributes"/>
+    <ds:schemaRef ds:uri="http://www.w3.org/2001/XMLSchema"/>
+    <ds:schemaRef ds:uri="http://schemas.microsoft.com/office/2006/metadata/properties"/>
+    <ds:schemaRef ds:uri="ee71d666-e06f-4bed-b53d-75a975332d6d"/>
+    <ds:schemaRef ds:uri="http://schemas.microsoft.com/office/2006/documentManagement/types"/>
+    <ds:schemaRef ds:uri="http://schemas.microsoft.com/office/infopath/2007/PartnerControls"/>
+    <ds:schemaRef ds:uri="http://schemas.openxmlformats.org/package/2006/metadata/core-properties"/>
+    <ds:schemaRef ds:uri="http://purl.org/dc/elements/1.1/"/>
+    <ds:schemaRef ds:uri="http://purl.org/dc/terms/"/>
+    <ds:schemaRef ds:uri="http://schemas.microsoft.com/internal/obd"/>
   </ds:schemaRefs>
 </ds:datastoreItem>
 </file>
@@ -6569,19 +6388,9 @@
 </file>
 
 <file path=customXml/itemProps3.xml><?xml version="1.0" encoding="utf-8"?>
-<ds:datastoreItem xmlns:ds="http://schemas.openxmlformats.org/officeDocument/2006/customXml" ds:itemID="{F4DF82DF-52AA-4D1D-AC7B-8F45A830CAFE}">
+<ds:datastoreItem xmlns:ds="http://schemas.openxmlformats.org/officeDocument/2006/customXml" ds:itemID="{ABE94A12-9E97-40EB-A974-3BC9F5C18103}">
   <ds:schemaRefs>
-    <ds:schemaRef ds:uri="http://schemas.microsoft.com/office/2006/metadata/contentType"/>
-    <ds:schemaRef ds:uri="http://schemas.microsoft.com/office/2006/metadata/properties/metaAttributes"/>
-    <ds:schemaRef ds:uri="http://www.w3.org/2001/XMLSchema"/>
-    <ds:schemaRef ds:uri="http://schemas.microsoft.com/office/2006/metadata/properties"/>
-    <ds:schemaRef ds:uri="ee71d666-e06f-4bed-b53d-75a975332d6d"/>
-    <ds:schemaRef ds:uri="http://schemas.microsoft.com/office/2006/documentManagement/types"/>
-    <ds:schemaRef ds:uri="http://schemas.microsoft.com/office/infopath/2007/PartnerControls"/>
-    <ds:schemaRef ds:uri="http://schemas.openxmlformats.org/package/2006/metadata/core-properties"/>
-    <ds:schemaRef ds:uri="http://purl.org/dc/elements/1.1/"/>
-    <ds:schemaRef ds:uri="http://purl.org/dc/terms/"/>
-    <ds:schemaRef ds:uri="http://schemas.microsoft.com/internal/obd"/>
+    <ds:schemaRef ds:uri="http://schemas.microsoft.com/sharepoint/v3/contenttype/forms"/>
   </ds:schemaRefs>
 </ds:datastoreItem>
 </file>
--- a/vitis_slides/01_Class_Intro.PPTX
+++ b/vitis_slides/01_Class_Intro.PPTX
@@ -5,10 +5,10 @@
     <p:sldMasterId id="2147483930" r:id="rId4"/>
   </p:sldMasterIdLst>
   <p:notesMasterIdLst>
-    <p:notesMasterId r:id="rId12"/>
+    <p:notesMasterId r:id="rId13"/>
   </p:notesMasterIdLst>
   <p:handoutMasterIdLst>
-    <p:handoutMasterId r:id="rId13"/>
+    <p:handoutMasterId r:id="rId14"/>
   </p:handoutMasterIdLst>
   <p:sldIdLst>
     <p:sldId id="1052" r:id="rId5"/>
@@ -18,6 +18,7 @@
     <p:sldId id="937" r:id="rId9"/>
     <p:sldId id="936" r:id="rId10"/>
     <p:sldId id="941" r:id="rId11"/>
+    <p:sldId id="1053" r:id="rId12"/>
   </p:sldIdLst>
   <p:sldSz cx="12192000" cy="6858000"/>
   <p:notesSz cx="6858000" cy="9144000"/>
@@ -225,7 +226,7 @@
           <a:p>
             <a:fld id="{279EEC3C-A001-4107-B54E-3DA93EFF18E7}" type="datetimeFigureOut">
               <a:rPr lang="en-US" smtClean="0"/>
-              <a:t>3/28/2022</a:t>
+              <a:t>4/8/2022</a:t>
             </a:fld>
             <a:endParaRPr lang="en-US"/>
           </a:p>
@@ -403,7 +404,7 @@
             <a:fld id="{396E16B4-3FB2-4CDC-BEBF-CD70C72EF480}" type="datetimeFigureOut">
               <a:rPr lang="en-US" smtClean="0"/>
               <a:pPr/>
-              <a:t>3/28/2022</a:t>
+              <a:t>4/8/2022</a:t>
             </a:fld>
             <a:endParaRPr lang="en-US"/>
           </a:p>
@@ -1171,232 +1172,6 @@
 </p:sldLayout>
 </file>
 
-<file path=ppt/slideLayouts/slideLayout10.xml><?xml version="1.0" encoding="utf-8"?>
-<p:sldLayout xmlns:a="http://schemas.openxmlformats.org/drawingml/2006/main" xmlns:r="http://schemas.openxmlformats.org/officeDocument/2006/relationships" xmlns:p="http://schemas.openxmlformats.org/presentationml/2006/main">
-  <p:cSld name="Title and Content (WHITE)">
-    <p:spTree>
-      <p:nvGrpSpPr>
-        <p:cNvPr id="1" name=""/>
-        <p:cNvGrpSpPr/>
-        <p:nvPr/>
-      </p:nvGrpSpPr>
-      <p:grpSpPr>
-        <a:xfrm>
-          <a:off x="0" y="0"/>
-          <a:ext cx="0" cy="0"/>
-          <a:chOff x="0" y="0"/>
-          <a:chExt cx="0" cy="0"/>
-        </a:xfrm>
-      </p:grpSpPr>
-      <p:sp>
-        <p:nvSpPr>
-          <p:cNvPr id="2" name="Title 1"/>
-          <p:cNvSpPr>
-            <a:spLocks noGrp="1"/>
-          </p:cNvSpPr>
-          <p:nvPr>
-            <p:ph type="title"/>
-          </p:nvPr>
-        </p:nvSpPr>
-        <p:spPr/>
-        <p:txBody>
-          <a:bodyPr/>
-          <a:lstStyle/>
-          <a:p>
-            <a:r>
-              <a:rPr lang="en-US" altLang="zh-CN"/>
-              <a:t>Click to edit Master title style</a:t>
-            </a:r>
-            <a:endParaRPr lang="en-US"/>
-          </a:p>
-        </p:txBody>
-      </p:sp>
-      <p:sp>
-        <p:nvSpPr>
-          <p:cNvPr id="3" name="Content Placeholder 2"/>
-          <p:cNvSpPr>
-            <a:spLocks noGrp="1"/>
-          </p:cNvSpPr>
-          <p:nvPr>
-            <p:ph idx="1"/>
-          </p:nvPr>
-        </p:nvSpPr>
-        <p:spPr>
-          <a:xfrm>
-            <a:off x="647700" y="1463040"/>
-            <a:ext cx="10515600" cy="4759404"/>
-          </a:xfrm>
-        </p:spPr>
-        <p:txBody>
-          <a:bodyPr/>
-          <a:lstStyle>
-            <a:lvl1pPr>
-              <a:defRPr>
-                <a:solidFill>
-                  <a:schemeClr val="tx1"/>
-                </a:solidFill>
-              </a:defRPr>
-            </a:lvl1pPr>
-            <a:lvl2pPr>
-              <a:defRPr>
-                <a:solidFill>
-                  <a:schemeClr val="tx1"/>
-                </a:solidFill>
-              </a:defRPr>
-            </a:lvl2pPr>
-            <a:lvl3pPr>
-              <a:defRPr sz="1600">
-                <a:solidFill>
-                  <a:schemeClr val="tx1"/>
-                </a:solidFill>
-              </a:defRPr>
-            </a:lvl3pPr>
-            <a:lvl4pPr>
-              <a:defRPr sz="1400">
-                <a:solidFill>
-                  <a:schemeClr val="tx1"/>
-                </a:solidFill>
-              </a:defRPr>
-            </a:lvl4pPr>
-            <a:lvl5pPr>
-              <a:tabLst>
-                <a:tab pos="2626525" algn="l"/>
-              </a:tabLst>
-              <a:defRPr sz="1400">
-                <a:solidFill>
-                  <a:schemeClr val="tx1"/>
-                </a:solidFill>
-              </a:defRPr>
-            </a:lvl5pPr>
-          </a:lstStyle>
-          <a:p>
-            <a:pPr lvl="0"/>
-            <a:r>
-              <a:rPr lang="en-US" altLang="zh-CN"/>
-              <a:t>Edit Master text styles</a:t>
-            </a:r>
-          </a:p>
-          <a:p>
-            <a:pPr lvl="1"/>
-            <a:r>
-              <a:rPr lang="en-US" altLang="zh-CN"/>
-              <a:t>Second level</a:t>
-            </a:r>
-          </a:p>
-          <a:p>
-            <a:pPr lvl="2"/>
-            <a:r>
-              <a:rPr lang="en-US" altLang="zh-CN"/>
-              <a:t>Third level</a:t>
-            </a:r>
-          </a:p>
-          <a:p>
-            <a:pPr lvl="3"/>
-            <a:r>
-              <a:rPr lang="en-US" altLang="zh-CN"/>
-              <a:t>Fourth level</a:t>
-            </a:r>
-          </a:p>
-          <a:p>
-            <a:pPr lvl="4"/>
-            <a:r>
-              <a:rPr lang="en-US" altLang="zh-CN"/>
-              <a:t>Fifth level</a:t>
-            </a:r>
-            <a:endParaRPr lang="en-US" dirty="0"/>
-          </a:p>
-        </p:txBody>
-      </p:sp>
-      <p:sp>
-        <p:nvSpPr>
-          <p:cNvPr id="9" name="Slide Number Placeholder 8"/>
-          <p:cNvSpPr>
-            <a:spLocks noGrp="1"/>
-          </p:cNvSpPr>
-          <p:nvPr>
-            <p:ph type="sldNum" sz="quarter" idx="10"/>
-          </p:nvPr>
-        </p:nvSpPr>
-        <p:spPr/>
-        <p:txBody>
-          <a:bodyPr/>
-          <a:lstStyle/>
-          <a:p>
-            <a:pPr>
-              <a:defRPr/>
-            </a:pPr>
-            <a:r>
-              <a:rPr lang="en-US"/>
-              <a:t>Course Intro 01- </a:t>
-            </a:r>
-            <a:fld id="{060BD193-E118-4B16-863C-C8C12C675E3E}" type="slidenum">
-              <a:rPr lang="en-US" smtClean="0"/>
-              <a:pPr>
-                <a:defRPr/>
-              </a:pPr>
-              <a:t>‹#›</a:t>
-            </a:fld>
-            <a:endParaRPr lang="en-US" dirty="0"/>
-          </a:p>
-        </p:txBody>
-      </p:sp>
-      <p:sp>
-        <p:nvSpPr>
-          <p:cNvPr id="5" name="Footer Placeholder 16">
-            <a:extLst>
-              <a:ext uri="{FF2B5EF4-FFF2-40B4-BE49-F238E27FC236}">
-                <a16:creationId xmlns:a16="http://schemas.microsoft.com/office/drawing/2014/main" id="{07B3D65B-8C84-4673-96F4-FC77C8C22315}"/>
-              </a:ext>
-            </a:extLst>
-          </p:cNvPr>
-          <p:cNvSpPr>
-            <a:spLocks noGrp="1"/>
-          </p:cNvSpPr>
-          <p:nvPr>
-            <p:ph type="ftr" sz="quarter" idx="3"/>
-          </p:nvPr>
-        </p:nvSpPr>
-        <p:spPr>
-          <a:xfrm>
-            <a:off x="4165601" y="6579165"/>
-            <a:ext cx="3860800" cy="246888"/>
-          </a:xfrm>
-          <a:prstGeom prst="rect">
-            <a:avLst/>
-          </a:prstGeom>
-        </p:spPr>
-        <p:txBody>
-          <a:bodyPr vert="horz" lIns="91440" tIns="45720" rIns="91440" bIns="45720" rtlCol="0" anchor="ctr"/>
-          <a:lstStyle>
-            <a:lvl1pPr algn="ctr">
-              <a:defRPr sz="1000">
-                <a:solidFill>
-                  <a:schemeClr val="tx1"/>
-                </a:solidFill>
-              </a:defRPr>
-            </a:lvl1pPr>
-          </a:lstStyle>
-          <a:p>
-            <a:r>
-              <a:rPr lang="en-US" dirty="0"/>
-              <a:t>© Copyright 2018 Xilinx</a:t>
-            </a:r>
-          </a:p>
-        </p:txBody>
-      </p:sp>
-    </p:spTree>
-    <p:extLst>
-      <p:ext uri="{BB962C8B-B14F-4D97-AF65-F5344CB8AC3E}">
-        <p14:creationId xmlns:p14="http://schemas.microsoft.com/office/powerpoint/2010/main" val="1266728447"/>
-      </p:ext>
-    </p:extLst>
-  </p:cSld>
-  <p:clrMapOvr>
-    <a:masterClrMapping/>
-  </p:clrMapOvr>
-</p:sldLayout>
-</file>
-
 <file path=ppt/slideLayouts/slideLayout2.xml><?xml version="1.0" encoding="utf-8"?>
 <p:sldLayout xmlns:a="http://schemas.openxmlformats.org/drawingml/2006/main" xmlns:r="http://schemas.openxmlformats.org/officeDocument/2006/relationships" xmlns:p="http://schemas.openxmlformats.org/presentationml/2006/main" preserve="1" userDrawn="1">
   <p:cSld name="Agenda Slide">
@@ -1452,44 +1227,6 @@
               <a:rPr lang="en-US"/>
               <a:t>Agenda</a:t>
             </a:r>
-          </a:p>
-        </p:txBody>
-      </p:sp>
-      <p:sp>
-        <p:nvSpPr>
-          <p:cNvPr id="3" name="Slide Number Placeholder 2">
-            <a:extLst>
-              <a:ext uri="{FF2B5EF4-FFF2-40B4-BE49-F238E27FC236}">
-                <a16:creationId xmlns:a16="http://schemas.microsoft.com/office/drawing/2014/main" id="{470F2BAF-0E03-9146-9CEF-EF57A7048199}"/>
-              </a:ext>
-            </a:extLst>
-          </p:cNvPr>
-          <p:cNvSpPr>
-            <a:spLocks noGrp="1"/>
-          </p:cNvSpPr>
-          <p:nvPr>
-            <p:ph type="sldNum" sz="quarter" idx="10"/>
-          </p:nvPr>
-        </p:nvSpPr>
-        <p:spPr/>
-        <p:txBody>
-          <a:bodyPr/>
-          <a:lstStyle>
-            <a:lvl1pPr>
-              <a:defRPr>
-                <a:solidFill>
-                  <a:schemeClr val="tx1"/>
-                </a:solidFill>
-              </a:defRPr>
-            </a:lvl1pPr>
-          </a:lstStyle>
-          <a:p>
-            <a:fld id="{626C978B-826E-438C-909A-E9C381D3FF04}" type="slidenum">
-              <a:rPr lang="en-US" smtClean="0"/>
-              <a:pPr/>
-              <a:t>‹#›</a:t>
-            </a:fld>
-            <a:endParaRPr lang="en-US"/>
           </a:p>
         </p:txBody>
       </p:sp>
@@ -1601,6 +1338,58 @@
               <a:rPr lang="en-US"/>
               <a:t>Agenda Item 6</a:t>
             </a:r>
+          </a:p>
+        </p:txBody>
+      </p:sp>
+      <p:sp>
+        <p:nvSpPr>
+          <p:cNvPr id="7" name="Slide Number Placeholder 4">
+            <a:extLst>
+              <a:ext uri="{FF2B5EF4-FFF2-40B4-BE49-F238E27FC236}">
+                <a16:creationId xmlns:a16="http://schemas.microsoft.com/office/drawing/2014/main" id="{73800D0F-7330-4AAB-80F1-A5DD666D784A}"/>
+              </a:ext>
+            </a:extLst>
+          </p:cNvPr>
+          <p:cNvSpPr>
+            <a:spLocks noGrp="1"/>
+          </p:cNvSpPr>
+          <p:nvPr>
+            <p:ph type="sldNum" sz="quarter" idx="4"/>
+          </p:nvPr>
+        </p:nvSpPr>
+        <p:spPr>
+          <a:xfrm>
+            <a:off x="579121" y="6325606"/>
+            <a:ext cx="1713200" cy="365125"/>
+          </a:xfrm>
+          <a:prstGeom prst="rect">
+            <a:avLst/>
+          </a:prstGeom>
+        </p:spPr>
+        <p:txBody>
+          <a:bodyPr vert="horz" lIns="91440" tIns="45720" rIns="91440" bIns="45720" rtlCol="0" anchor="ctr"/>
+          <a:lstStyle>
+            <a:lvl1pPr marL="0" indent="0" algn="l">
+              <a:buFont typeface="Arial" panose="020B0604020202020204" pitchFamily="34" charset="0"/>
+              <a:buNone/>
+              <a:defRPr sz="1200" b="0">
+                <a:solidFill>
+                  <a:schemeClr val="tx1"/>
+                </a:solidFill>
+              </a:defRPr>
+            </a:lvl1pPr>
+          </a:lstStyle>
+          <a:p>
+            <a:r>
+              <a:rPr lang="en-US" dirty="0"/>
+              <a:t>Course Intro 01- </a:t>
+            </a:r>
+            <a:fld id="{060BD193-E118-4B16-863C-C8C12C675E3E}" type="slidenum">
+              <a:rPr lang="en-US" smtClean="0"/>
+              <a:pPr/>
+              <a:t>‹#›</a:t>
+            </a:fld>
+            <a:endParaRPr lang="en-US" dirty="0"/>
           </a:p>
         </p:txBody>
       </p:sp>
@@ -1681,36 +1470,6 @@
       </p:sp>
       <p:sp>
         <p:nvSpPr>
-          <p:cNvPr id="3" name="Slide Number Placeholder 2">
-            <a:extLst>
-              <a:ext uri="{FF2B5EF4-FFF2-40B4-BE49-F238E27FC236}">
-                <a16:creationId xmlns:a16="http://schemas.microsoft.com/office/drawing/2014/main" id="{470F2BAF-0E03-9146-9CEF-EF57A7048199}"/>
-              </a:ext>
-            </a:extLst>
-          </p:cNvPr>
-          <p:cNvSpPr>
-            <a:spLocks noGrp="1"/>
-          </p:cNvSpPr>
-          <p:nvPr>
-            <p:ph type="sldNum" sz="quarter" idx="10"/>
-          </p:nvPr>
-        </p:nvSpPr>
-        <p:spPr/>
-        <p:txBody>
-          <a:bodyPr/>
-          <a:lstStyle/>
-          <a:p>
-            <a:fld id="{626C978B-826E-438C-909A-E9C381D3FF04}" type="slidenum">
-              <a:rPr lang="en-US" smtClean="0"/>
-              <a:pPr/>
-              <a:t>‹#›</a:t>
-            </a:fld>
-            <a:endParaRPr lang="en-US"/>
-          </a:p>
-        </p:txBody>
-      </p:sp>
-      <p:sp>
-        <p:nvSpPr>
           <p:cNvPr id="6" name="Rectangle 5"/>
           <p:cNvSpPr/>
           <p:nvPr userDrawn="1"/>
@@ -1752,6 +1511,58 @@
           <a:p>
             <a:pPr algn="ctr"/>
             <a:endParaRPr lang="en-US" sz="2400"/>
+          </a:p>
+        </p:txBody>
+      </p:sp>
+      <p:sp>
+        <p:nvSpPr>
+          <p:cNvPr id="5" name="Slide Number Placeholder 4">
+            <a:extLst>
+              <a:ext uri="{FF2B5EF4-FFF2-40B4-BE49-F238E27FC236}">
+                <a16:creationId xmlns:a16="http://schemas.microsoft.com/office/drawing/2014/main" id="{5810DA13-1FEC-4A47-8053-24D913BBA3EF}"/>
+              </a:ext>
+            </a:extLst>
+          </p:cNvPr>
+          <p:cNvSpPr>
+            <a:spLocks noGrp="1"/>
+          </p:cNvSpPr>
+          <p:nvPr>
+            <p:ph type="sldNum" sz="quarter" idx="4"/>
+          </p:nvPr>
+        </p:nvSpPr>
+        <p:spPr>
+          <a:xfrm>
+            <a:off x="579121" y="6325606"/>
+            <a:ext cx="1713200" cy="365125"/>
+          </a:xfrm>
+          <a:prstGeom prst="rect">
+            <a:avLst/>
+          </a:prstGeom>
+        </p:spPr>
+        <p:txBody>
+          <a:bodyPr vert="horz" lIns="91440" tIns="45720" rIns="91440" bIns="45720" rtlCol="0" anchor="ctr"/>
+          <a:lstStyle>
+            <a:lvl1pPr marL="0" indent="0" algn="l">
+              <a:buFont typeface="Arial" panose="020B0604020202020204" pitchFamily="34" charset="0"/>
+              <a:buNone/>
+              <a:defRPr sz="1200" b="0">
+                <a:solidFill>
+                  <a:schemeClr val="tx1"/>
+                </a:solidFill>
+              </a:defRPr>
+            </a:lvl1pPr>
+          </a:lstStyle>
+          <a:p>
+            <a:r>
+              <a:rPr lang="en-US" dirty="0"/>
+              <a:t>Course Intro 01- </a:t>
+            </a:r>
+            <a:fld id="{060BD193-E118-4B16-863C-C8C12C675E3E}" type="slidenum">
+              <a:rPr lang="en-US" smtClean="0"/>
+              <a:pPr/>
+              <a:t>‹#›</a:t>
+            </a:fld>
+            <a:endParaRPr lang="en-US" dirty="0"/>
           </a:p>
         </p:txBody>
       </p:sp>
@@ -1832,36 +1643,6 @@
       </p:sp>
       <p:sp>
         <p:nvSpPr>
-          <p:cNvPr id="3" name="Slide Number Placeholder 2">
-            <a:extLst>
-              <a:ext uri="{FF2B5EF4-FFF2-40B4-BE49-F238E27FC236}">
-                <a16:creationId xmlns:a16="http://schemas.microsoft.com/office/drawing/2014/main" id="{470F2BAF-0E03-9146-9CEF-EF57A7048199}"/>
-              </a:ext>
-            </a:extLst>
-          </p:cNvPr>
-          <p:cNvSpPr>
-            <a:spLocks noGrp="1"/>
-          </p:cNvSpPr>
-          <p:nvPr>
-            <p:ph type="sldNum" sz="quarter" idx="10"/>
-          </p:nvPr>
-        </p:nvSpPr>
-        <p:spPr/>
-        <p:txBody>
-          <a:bodyPr/>
-          <a:lstStyle/>
-          <a:p>
-            <a:fld id="{626C978B-826E-438C-909A-E9C381D3FF04}" type="slidenum">
-              <a:rPr lang="en-US" smtClean="0"/>
-              <a:pPr/>
-              <a:t>‹#›</a:t>
-            </a:fld>
-            <a:endParaRPr lang="en-US"/>
-          </a:p>
-        </p:txBody>
-      </p:sp>
-      <p:sp>
-        <p:nvSpPr>
           <p:cNvPr id="4" name="Text Placeholder 2">
             <a:extLst>
               <a:ext uri="{FF2B5EF4-FFF2-40B4-BE49-F238E27FC236}">
@@ -2001,6 +1782,58 @@
           <a:p>
             <a:pPr algn="ctr"/>
             <a:endParaRPr lang="en-US" sz="2400"/>
+          </a:p>
+        </p:txBody>
+      </p:sp>
+      <p:sp>
+        <p:nvSpPr>
+          <p:cNvPr id="7" name="Slide Number Placeholder 4">
+            <a:extLst>
+              <a:ext uri="{FF2B5EF4-FFF2-40B4-BE49-F238E27FC236}">
+                <a16:creationId xmlns:a16="http://schemas.microsoft.com/office/drawing/2014/main" id="{CB35CF91-F63E-4029-A54E-3F06E63D1F01}"/>
+              </a:ext>
+            </a:extLst>
+          </p:cNvPr>
+          <p:cNvSpPr>
+            <a:spLocks noGrp="1"/>
+          </p:cNvSpPr>
+          <p:nvPr>
+            <p:ph type="sldNum" sz="quarter" idx="4"/>
+          </p:nvPr>
+        </p:nvSpPr>
+        <p:spPr>
+          <a:xfrm>
+            <a:off x="579121" y="6325606"/>
+            <a:ext cx="1713200" cy="365125"/>
+          </a:xfrm>
+          <a:prstGeom prst="rect">
+            <a:avLst/>
+          </a:prstGeom>
+        </p:spPr>
+        <p:txBody>
+          <a:bodyPr vert="horz" lIns="91440" tIns="45720" rIns="91440" bIns="45720" rtlCol="0" anchor="ctr"/>
+          <a:lstStyle>
+            <a:lvl1pPr marL="0" indent="0" algn="l">
+              <a:buFont typeface="Arial" panose="020B0604020202020204" pitchFamily="34" charset="0"/>
+              <a:buNone/>
+              <a:defRPr sz="1200" b="0">
+                <a:solidFill>
+                  <a:schemeClr val="tx1"/>
+                </a:solidFill>
+              </a:defRPr>
+            </a:lvl1pPr>
+          </a:lstStyle>
+          <a:p>
+            <a:r>
+              <a:rPr lang="en-US" dirty="0"/>
+              <a:t>Course Intro 01- </a:t>
+            </a:r>
+            <a:fld id="{060BD193-E118-4B16-863C-C8C12C675E3E}" type="slidenum">
+              <a:rPr lang="en-US" smtClean="0"/>
+              <a:pPr/>
+              <a:t>‹#›</a:t>
+            </a:fld>
+            <a:endParaRPr lang="en-US" dirty="0"/>
           </a:p>
         </p:txBody>
       </p:sp>
@@ -2269,54 +2102,6 @@
       </p:sp>
       <p:sp>
         <p:nvSpPr>
-          <p:cNvPr id="7" name="Slide Number Placeholder 4">
-            <a:extLst>
-              <a:ext uri="{FF2B5EF4-FFF2-40B4-BE49-F238E27FC236}">
-                <a16:creationId xmlns:a16="http://schemas.microsoft.com/office/drawing/2014/main" id="{1A8B06E9-672B-49AA-8789-D576D5680872}"/>
-              </a:ext>
-            </a:extLst>
-          </p:cNvPr>
-          <p:cNvSpPr>
-            <a:spLocks noGrp="1"/>
-          </p:cNvSpPr>
-          <p:nvPr>
-            <p:ph type="sldNum" sz="quarter" idx="4"/>
-          </p:nvPr>
-        </p:nvSpPr>
-        <p:spPr>
-          <a:xfrm>
-            <a:off x="586646" y="6363709"/>
-            <a:ext cx="975360" cy="365125"/>
-          </a:xfrm>
-          <a:prstGeom prst="rect">
-            <a:avLst/>
-          </a:prstGeom>
-        </p:spPr>
-        <p:txBody>
-          <a:bodyPr vert="horz" lIns="91440" tIns="45720" rIns="91440" bIns="45720" rtlCol="0" anchor="b"/>
-          <a:lstStyle>
-            <a:lvl1pPr marL="0" indent="0" algn="l">
-              <a:buFont typeface="Arial" panose="020B0604020202020204" pitchFamily="34" charset="0"/>
-              <a:buNone/>
-              <a:defRPr sz="1133" b="1">
-                <a:solidFill>
-                  <a:schemeClr val="tx1"/>
-                </a:solidFill>
-              </a:defRPr>
-            </a:lvl1pPr>
-          </a:lstStyle>
-          <a:p>
-            <a:fld id="{626C978B-826E-438C-909A-E9C381D3FF04}" type="slidenum">
-              <a:rPr lang="en-US" smtClean="0"/>
-              <a:pPr/>
-              <a:t>‹#›</a:t>
-            </a:fld>
-            <a:endParaRPr lang="en-US"/>
-          </a:p>
-        </p:txBody>
-      </p:sp>
-      <p:sp>
-        <p:nvSpPr>
           <p:cNvPr id="9" name="Rectangle 8"/>
           <p:cNvSpPr/>
           <p:nvPr userDrawn="1"/>
@@ -2358,6 +2143,58 @@
           <a:p>
             <a:pPr algn="ctr"/>
             <a:endParaRPr lang="en-US" sz="2400"/>
+          </a:p>
+        </p:txBody>
+      </p:sp>
+      <p:sp>
+        <p:nvSpPr>
+          <p:cNvPr id="8" name="Slide Number Placeholder 4">
+            <a:extLst>
+              <a:ext uri="{FF2B5EF4-FFF2-40B4-BE49-F238E27FC236}">
+                <a16:creationId xmlns:a16="http://schemas.microsoft.com/office/drawing/2014/main" id="{5E629C60-3208-4F54-9E39-3627F24239CB}"/>
+              </a:ext>
+            </a:extLst>
+          </p:cNvPr>
+          <p:cNvSpPr>
+            <a:spLocks noGrp="1"/>
+          </p:cNvSpPr>
+          <p:nvPr>
+            <p:ph type="sldNum" sz="quarter" idx="4"/>
+          </p:nvPr>
+        </p:nvSpPr>
+        <p:spPr>
+          <a:xfrm>
+            <a:off x="579121" y="6325606"/>
+            <a:ext cx="1713200" cy="365125"/>
+          </a:xfrm>
+          <a:prstGeom prst="rect">
+            <a:avLst/>
+          </a:prstGeom>
+        </p:spPr>
+        <p:txBody>
+          <a:bodyPr vert="horz" lIns="91440" tIns="45720" rIns="91440" bIns="45720" rtlCol="0" anchor="ctr"/>
+          <a:lstStyle>
+            <a:lvl1pPr marL="0" indent="0" algn="l">
+              <a:buFont typeface="Arial" panose="020B0604020202020204" pitchFamily="34" charset="0"/>
+              <a:buNone/>
+              <a:defRPr sz="1200" b="0">
+                <a:solidFill>
+                  <a:schemeClr val="tx1"/>
+                </a:solidFill>
+              </a:defRPr>
+            </a:lvl1pPr>
+          </a:lstStyle>
+          <a:p>
+            <a:r>
+              <a:rPr lang="en-US" dirty="0"/>
+              <a:t>Course Intro 01- </a:t>
+            </a:r>
+            <a:fld id="{060BD193-E118-4B16-863C-C8C12C675E3E}" type="slidenum">
+              <a:rPr lang="en-US" smtClean="0"/>
+              <a:pPr/>
+              <a:t>‹#›</a:t>
+            </a:fld>
+            <a:endParaRPr lang="en-US" dirty="0"/>
           </a:p>
         </p:txBody>
       </p:sp>
@@ -2541,10 +2378,10 @@
       </p:sp>
       <p:sp>
         <p:nvSpPr>
-          <p:cNvPr id="7" name="Slide Number Placeholder 4">
+          <p:cNvPr id="8" name="Slide Number Placeholder 4">
             <a:extLst>
               <a:ext uri="{FF2B5EF4-FFF2-40B4-BE49-F238E27FC236}">
-                <a16:creationId xmlns:a16="http://schemas.microsoft.com/office/drawing/2014/main" id="{1E052772-3EFC-D34C-AA1A-1135DE3C5541}"/>
+                <a16:creationId xmlns:a16="http://schemas.microsoft.com/office/drawing/2014/main" id="{6E148E7D-3F76-4B20-9BBA-F265A3556958}"/>
               </a:ext>
             </a:extLst>
           </p:cNvPr>
@@ -2557,8 +2394,8 @@
         </p:nvSpPr>
         <p:spPr>
           <a:xfrm>
-            <a:off x="586646" y="6325609"/>
-            <a:ext cx="975360" cy="365125"/>
+            <a:off x="579121" y="6325606"/>
+            <a:ext cx="1713200" cy="365125"/>
           </a:xfrm>
           <a:prstGeom prst="rect">
             <a:avLst/>
@@ -2570,20 +2407,24 @@
             <a:lvl1pPr marL="0" indent="0" algn="l">
               <a:buFont typeface="Arial" panose="020B0604020202020204" pitchFamily="34" charset="0"/>
               <a:buNone/>
-              <a:defRPr sz="1133" b="1">
+              <a:defRPr sz="1200" b="0">
                 <a:solidFill>
-                  <a:schemeClr val="bg1"/>
+                  <a:schemeClr val="tx1"/>
                 </a:solidFill>
               </a:defRPr>
             </a:lvl1pPr>
           </a:lstStyle>
           <a:p>
-            <a:fld id="{626C978B-826E-438C-909A-E9C381D3FF04}" type="slidenum">
+            <a:r>
+              <a:rPr lang="en-US" dirty="0"/>
+              <a:t>Course Intro 01- </a:t>
+            </a:r>
+            <a:fld id="{060BD193-E118-4B16-863C-C8C12C675E3E}" type="slidenum">
               <a:rPr lang="en-US" smtClean="0"/>
               <a:pPr/>
               <a:t>‹#›</a:t>
             </a:fld>
-            <a:endParaRPr lang="en-US"/>
+            <a:endParaRPr lang="en-US" dirty="0"/>
           </a:p>
         </p:txBody>
       </p:sp>
@@ -2800,54 +2641,6 @@
           </a:p>
         </p:txBody>
       </p:sp>
-      <p:sp>
-        <p:nvSpPr>
-          <p:cNvPr id="9" name="Slide Number Placeholder 4">
-            <a:extLst>
-              <a:ext uri="{FF2B5EF4-FFF2-40B4-BE49-F238E27FC236}">
-                <a16:creationId xmlns:a16="http://schemas.microsoft.com/office/drawing/2014/main" id="{5B8CD8B4-2837-BA4D-9DA4-67F8481F164B}"/>
-              </a:ext>
-            </a:extLst>
-          </p:cNvPr>
-          <p:cNvSpPr>
-            <a:spLocks noGrp="1"/>
-          </p:cNvSpPr>
-          <p:nvPr>
-            <p:ph type="sldNum" sz="quarter" idx="4"/>
-          </p:nvPr>
-        </p:nvSpPr>
-        <p:spPr>
-          <a:xfrm>
-            <a:off x="586646" y="6325609"/>
-            <a:ext cx="975360" cy="365125"/>
-          </a:xfrm>
-          <a:prstGeom prst="rect">
-            <a:avLst/>
-          </a:prstGeom>
-        </p:spPr>
-        <p:txBody>
-          <a:bodyPr vert="horz" lIns="91440" tIns="45720" rIns="91440" bIns="45720" rtlCol="0" anchor="ctr"/>
-          <a:lstStyle>
-            <a:lvl1pPr marL="0" indent="0" algn="l">
-              <a:buFont typeface="Arial" panose="020B0604020202020204" pitchFamily="34" charset="0"/>
-              <a:buNone/>
-              <a:defRPr sz="1133" b="1">
-                <a:solidFill>
-                  <a:schemeClr val="bg1"/>
-                </a:solidFill>
-              </a:defRPr>
-            </a:lvl1pPr>
-          </a:lstStyle>
-          <a:p>
-            <a:fld id="{626C978B-826E-438C-909A-E9C381D3FF04}" type="slidenum">
-              <a:rPr lang="en-US" smtClean="0"/>
-              <a:pPr/>
-              <a:t>‹#›</a:t>
-            </a:fld>
-            <a:endParaRPr lang="en-US"/>
-          </a:p>
-        </p:txBody>
-      </p:sp>
       <p:pic>
         <p:nvPicPr>
           <p:cNvPr id="12" name="Picture 11">
@@ -2878,6 +2671,58 @@
           </a:prstGeom>
         </p:spPr>
       </p:pic>
+      <p:sp>
+        <p:nvSpPr>
+          <p:cNvPr id="8" name="Slide Number Placeholder 4">
+            <a:extLst>
+              <a:ext uri="{FF2B5EF4-FFF2-40B4-BE49-F238E27FC236}">
+                <a16:creationId xmlns:a16="http://schemas.microsoft.com/office/drawing/2014/main" id="{A6EAAEA5-8C48-420D-AFF7-883B9D1B37F5}"/>
+              </a:ext>
+            </a:extLst>
+          </p:cNvPr>
+          <p:cNvSpPr>
+            <a:spLocks noGrp="1"/>
+          </p:cNvSpPr>
+          <p:nvPr>
+            <p:ph type="sldNum" sz="quarter" idx="4"/>
+          </p:nvPr>
+        </p:nvSpPr>
+        <p:spPr>
+          <a:xfrm>
+            <a:off x="579121" y="6325606"/>
+            <a:ext cx="1713200" cy="365125"/>
+          </a:xfrm>
+          <a:prstGeom prst="rect">
+            <a:avLst/>
+          </a:prstGeom>
+        </p:spPr>
+        <p:txBody>
+          <a:bodyPr vert="horz" lIns="91440" tIns="45720" rIns="91440" bIns="45720" rtlCol="0" anchor="ctr"/>
+          <a:lstStyle>
+            <a:lvl1pPr marL="0" indent="0" algn="l">
+              <a:buFont typeface="Arial" panose="020B0604020202020204" pitchFamily="34" charset="0"/>
+              <a:buNone/>
+              <a:defRPr sz="1200" b="0">
+                <a:solidFill>
+                  <a:schemeClr val="tx1"/>
+                </a:solidFill>
+              </a:defRPr>
+            </a:lvl1pPr>
+          </a:lstStyle>
+          <a:p>
+            <a:r>
+              <a:rPr lang="en-US" dirty="0"/>
+              <a:t>Course Intro 01- </a:t>
+            </a:r>
+            <a:fld id="{060BD193-E118-4B16-863C-C8C12C675E3E}" type="slidenum">
+              <a:rPr lang="en-US" smtClean="0"/>
+              <a:pPr/>
+              <a:t>‹#›</a:t>
+            </a:fld>
+            <a:endParaRPr lang="en-US" dirty="0"/>
+          </a:p>
+        </p:txBody>
+      </p:sp>
     </p:spTree>
     <p:extLst>
       <p:ext uri="{BB962C8B-B14F-4D97-AF65-F5344CB8AC3E}">
@@ -3389,7 +3234,7 @@
                 <a:ea typeface="+mn-ea"/>
                 <a:cs typeface="Arial" panose="020B0604020202020204" pitchFamily="34" charset="0"/>
               </a:rPr>
-              <a:t>© Copyright 2021 Advanced Micro Devices, Inc.  All rights reserved.  Xilinx, the Xilinx logo, AMD, the AMD Arrow logo, </a:t>
+              <a:t>© Copyright 2022 Advanced Micro Devices, Inc.  All rights reserved.  Xilinx, the Xilinx logo, AMD, the AMD Arrow logo, </a:t>
             </a:r>
             <a:r>
               <a:rPr kumimoji="0" lang="en-US" sz="1200" b="0" i="0" u="none" strike="noStrike" kern="1200" cap="none" spc="0" normalizeH="0" baseline="0" noProof="0" dirty="0" err="1">
@@ -3738,7 +3583,7 @@
         <p:spPr>
           <a:xfrm>
             <a:off x="579121" y="6325606"/>
-            <a:ext cx="975360" cy="365125"/>
+            <a:ext cx="1713200" cy="365125"/>
           </a:xfrm>
           <a:prstGeom prst="rect">
             <a:avLst/>
@@ -3750,7 +3595,7 @@
             <a:lvl1pPr marL="0" indent="0" algn="l">
               <a:buFont typeface="Arial" panose="020B0604020202020204" pitchFamily="34" charset="0"/>
               <a:buNone/>
-              <a:defRPr sz="1133" b="1">
+              <a:defRPr sz="1200" b="0">
                 <a:solidFill>
                   <a:schemeClr val="tx1"/>
                 </a:solidFill>
@@ -3758,12 +3603,16 @@
             </a:lvl1pPr>
           </a:lstStyle>
           <a:p>
-            <a:fld id="{626C978B-826E-438C-909A-E9C381D3FF04}" type="slidenum">
+            <a:r>
+              <a:rPr lang="en-US" dirty="0"/>
+              <a:t>Course Intro 01- </a:t>
+            </a:r>
+            <a:fld id="{060BD193-E118-4B16-863C-C8C12C675E3E}" type="slidenum">
               <a:rPr lang="en-US" smtClean="0"/>
               <a:pPr/>
               <a:t>‹#›</a:t>
             </a:fld>
-            <a:endParaRPr lang="en-US"/>
+            <a:endParaRPr lang="en-US" dirty="0"/>
           </a:p>
         </p:txBody>
       </p:sp>
@@ -3843,7 +3692,7 @@
           <p:nvPr userDrawn="1"/>
         </p:nvPicPr>
         <p:blipFill>
-          <a:blip r:embed="rId12"/>
+          <a:blip r:embed="rId11"/>
           <a:stretch>
             <a:fillRect/>
           </a:stretch>
@@ -3873,7 +3722,7 @@
         <p:spPr>
           <a:xfrm>
             <a:off x="0" y="6512560"/>
-            <a:ext cx="12192000" cy="377026"/>
+            <a:ext cx="12192000" cy="246221"/>
           </a:xfrm>
           <a:prstGeom prst="rect">
             <a:avLst/>
@@ -3887,24 +3736,23 @@
           <a:lstStyle/>
           <a:p>
             <a:pPr algn="ctr"/>
-            <a:endParaRPr lang="en-US" sz="850" b="0" i="0" u="none" baseline="0">
+            <a:r>
+              <a:rPr lang="en-US" sz="1000" b="0" i="0" u="none" strike="noStrike" kern="1200" baseline="0" dirty="0">
+                <a:solidFill>
+                  <a:schemeClr val="tx1"/>
+                </a:solidFill>
+                <a:latin typeface="+mn-lt"/>
+                <a:ea typeface="+mn-ea"/>
+                <a:cs typeface="+mn-cs"/>
+              </a:rPr>
+              <a:t>©2022 Advanced Micro Devices, Inc.</a:t>
+            </a:r>
+            <a:endParaRPr lang="en-US" sz="1000" b="0" i="0" u="none" baseline="0" dirty="0">
               <a:solidFill>
                 <a:srgbClr val="000000"/>
               </a:solidFill>
-              <a:latin typeface="Microsoft Sans Serif" panose="020B0604020202020204" pitchFamily="34" charset="0"/>
+              <a:latin typeface="Arial" panose="020B0604020202020204" pitchFamily="34" charset="0"/>
             </a:endParaRPr>
-          </a:p>
-          <a:p>
-            <a:pPr algn="ctr"/>
-            <a:r>
-              <a:rPr lang="en-US" sz="1000" b="0" i="0" u="none" baseline="0">
-                <a:solidFill>
-                  <a:srgbClr val="000000"/>
-                </a:solidFill>
-                <a:latin typeface="Arial" panose="020B0604020202020204" pitchFamily="34" charset="0"/>
-              </a:rPr>
-              <a:t>© Copyright 2022 AMD</a:t>
-            </a:r>
           </a:p>
         </p:txBody>
       </p:sp>
@@ -3926,7 +3774,6 @@
     <p:sldLayoutId id="2147483982" r:id="rId7"/>
     <p:sldLayoutId id="2147483986" r:id="rId8"/>
     <p:sldLayoutId id="2147483964" r:id="rId9"/>
-    <p:sldLayoutId id="2147483988" r:id="rId10"/>
   </p:sldLayoutIdLst>
   <mc:AlternateContent xmlns:mc="http://schemas.openxmlformats.org/markup-compatibility/2006" xmlns:p14="http://schemas.microsoft.com/office/powerpoint/2010/main">
     <mc:Choice Requires="p14">
@@ -4321,8 +4168,8 @@
         </p:nvSpPr>
         <p:spPr>
           <a:xfrm>
-            <a:off x="579120" y="2700534"/>
-            <a:ext cx="10233423" cy="975360"/>
+            <a:off x="579121" y="2700534"/>
+            <a:ext cx="10263050" cy="975360"/>
           </a:xfrm>
         </p:spPr>
         <p:txBody>
@@ -4331,14 +4178,22 @@
           <a:p>
             <a:r>
               <a:rPr lang="en-US" altLang="zh-CN" dirty="0"/>
-              <a:t>Course Intro </a:t>
+              <a:t>High-Level Synthesis using </a:t>
+            </a:r>
+            <a:r>
+              <a:rPr lang="en-US" altLang="zh-CN" dirty="0" err="1"/>
+              <a:t>Vitis</a:t>
+            </a:r>
+            <a:r>
+              <a:rPr lang="en-US" altLang="zh-CN" dirty="0"/>
+              <a:t> HLS</a:t>
             </a:r>
             <a:br>
               <a:rPr lang="en-US" altLang="zh-CN" dirty="0"/>
             </a:br>
             <a:r>
               <a:rPr lang="en-US" altLang="zh-CN" dirty="0"/>
-              <a:t>High-Level Synthesis using Vitis HLS</a:t>
+              <a:t>2021.2</a:t>
             </a:r>
             <a:endParaRPr lang="zh-CN" altLang="en-US" dirty="0"/>
           </a:p>
@@ -4370,10 +4225,7 @@
           <a:bodyPr/>
           <a:lstStyle/>
           <a:p>
-            <a:r>
-              <a:rPr lang="en-US" dirty="0"/>
-              <a:t>XUP</a:t>
-            </a:r>
+            <a:endParaRPr lang="en-US" dirty="0"/>
           </a:p>
         </p:txBody>
       </p:sp>
@@ -4527,10 +4379,10 @@
       </p:sp>
       <p:sp>
         <p:nvSpPr>
-          <p:cNvPr id="5" name="Slide Number Placeholder 4">
+          <p:cNvPr id="3" name="Slide Number Placeholder 2">
             <a:extLst>
               <a:ext uri="{FF2B5EF4-FFF2-40B4-BE49-F238E27FC236}">
-                <a16:creationId xmlns:a16="http://schemas.microsoft.com/office/drawing/2014/main" id="{79F5CD42-688C-432F-A65C-8EF6B49EDDF4}"/>
+                <a16:creationId xmlns:a16="http://schemas.microsoft.com/office/drawing/2014/main" id="{CE4E5179-A6D4-426B-A13C-9B7045C6738B}"/>
               </a:ext>
             </a:extLst>
           </p:cNvPr>
@@ -4538,7 +4390,7 @@
             <a:spLocks noGrp="1"/>
           </p:cNvSpPr>
           <p:nvPr>
-            <p:ph type="sldNum" sz="quarter" idx="10"/>
+            <p:ph type="sldNum" sz="quarter" idx="4"/>
           </p:nvPr>
         </p:nvSpPr>
         <p:spPr/>
@@ -4546,18 +4398,13 @@
           <a:bodyPr/>
           <a:lstStyle/>
           <a:p>
-            <a:pPr>
-              <a:defRPr/>
-            </a:pPr>
             <a:r>
               <a:rPr lang="en-US"/>
               <a:t>Course Intro 01- </a:t>
             </a:r>
             <a:fld id="{060BD193-E118-4B16-863C-C8C12C675E3E}" type="slidenum">
               <a:rPr lang="en-US" smtClean="0"/>
-              <a:pPr>
-                <a:defRPr/>
-              </a:pPr>
+              <a:pPr/>
               <a:t>2</a:t>
             </a:fld>
             <a:endParaRPr lang="en-US" dirty="0"/>
@@ -4569,6 +4416,18 @@
   <p:clrMapOvr>
     <a:masterClrMapping/>
   </p:clrMapOvr>
+  <mc:AlternateContent xmlns:mc="http://schemas.openxmlformats.org/markup-compatibility/2006" xmlns:p14="http://schemas.microsoft.com/office/powerpoint/2010/main">
+    <mc:Choice Requires="p14">
+      <p:transition spd="med" p14:dur="700">
+        <p:fade/>
+      </p:transition>
+    </mc:Choice>
+    <mc:Fallback xmlns="">
+      <p:transition spd="med">
+        <p:fade/>
+      </p:transition>
+    </mc:Fallback>
+  </mc:AlternateContent>
 </p:sld>
 </file>
 
@@ -4682,10 +4541,10 @@
       </p:sp>
       <p:sp>
         <p:nvSpPr>
-          <p:cNvPr id="2" name="Slide Number Placeholder 1">
+          <p:cNvPr id="3" name="Slide Number Placeholder 2">
             <a:extLst>
               <a:ext uri="{FF2B5EF4-FFF2-40B4-BE49-F238E27FC236}">
-                <a16:creationId xmlns:a16="http://schemas.microsoft.com/office/drawing/2014/main" id="{AC7229E4-B606-4788-B650-9D20DA7B9BE6}"/>
+                <a16:creationId xmlns:a16="http://schemas.microsoft.com/office/drawing/2014/main" id="{78B1C6E2-444B-44EF-A35E-E5DD893AC247}"/>
               </a:ext>
             </a:extLst>
           </p:cNvPr>
@@ -4693,7 +4552,7 @@
             <a:spLocks noGrp="1"/>
           </p:cNvSpPr>
           <p:nvPr>
-            <p:ph type="sldNum" sz="quarter" idx="10"/>
+            <p:ph type="sldNum" sz="quarter" idx="4"/>
           </p:nvPr>
         </p:nvSpPr>
         <p:spPr/>
@@ -4701,18 +4560,13 @@
           <a:bodyPr/>
           <a:lstStyle/>
           <a:p>
-            <a:pPr>
-              <a:defRPr/>
-            </a:pPr>
             <a:r>
               <a:rPr lang="en-US"/>
               <a:t>Course Intro 01- </a:t>
             </a:r>
             <a:fld id="{060BD193-E118-4B16-863C-C8C12C675E3E}" type="slidenum">
               <a:rPr lang="en-US" smtClean="0"/>
-              <a:pPr>
-                <a:defRPr/>
-              </a:pPr>
+              <a:pPr/>
               <a:t>3</a:t>
             </a:fld>
             <a:endParaRPr lang="en-US" dirty="0"/>
@@ -4828,10 +4682,10 @@
       </p:sp>
       <p:sp>
         <p:nvSpPr>
-          <p:cNvPr id="2" name="Slide Number Placeholder 1">
+          <p:cNvPr id="3" name="Slide Number Placeholder 2">
             <a:extLst>
               <a:ext uri="{FF2B5EF4-FFF2-40B4-BE49-F238E27FC236}">
-                <a16:creationId xmlns:a16="http://schemas.microsoft.com/office/drawing/2014/main" id="{957CB1C1-F75E-4070-81D2-4396C98E9538}"/>
+                <a16:creationId xmlns:a16="http://schemas.microsoft.com/office/drawing/2014/main" id="{5B135F8A-2920-4DB5-B98B-21207CC8F23B}"/>
               </a:ext>
             </a:extLst>
           </p:cNvPr>
@@ -4839,7 +4693,7 @@
             <a:spLocks noGrp="1"/>
           </p:cNvSpPr>
           <p:nvPr>
-            <p:ph type="sldNum" sz="quarter" idx="10"/>
+            <p:ph type="sldNum" sz="quarter" idx="4"/>
           </p:nvPr>
         </p:nvSpPr>
         <p:spPr/>
@@ -4847,18 +4701,13 @@
           <a:bodyPr/>
           <a:lstStyle/>
           <a:p>
-            <a:pPr>
-              <a:defRPr/>
-            </a:pPr>
             <a:r>
               <a:rPr lang="en-US"/>
               <a:t>Course Intro 01- </a:t>
             </a:r>
             <a:fld id="{060BD193-E118-4B16-863C-C8C12C675E3E}" type="slidenum">
               <a:rPr lang="en-US" smtClean="0"/>
-              <a:pPr>
-                <a:defRPr/>
-              </a:pPr>
+              <a:pPr/>
               <a:t>4</a:t>
             </a:fld>
             <a:endParaRPr lang="en-US" dirty="0"/>
@@ -4949,10 +4798,10 @@
       </p:sp>
       <p:sp>
         <p:nvSpPr>
-          <p:cNvPr id="2" name="Slide Number Placeholder 1">
+          <p:cNvPr id="3" name="Slide Number Placeholder 2">
             <a:extLst>
               <a:ext uri="{FF2B5EF4-FFF2-40B4-BE49-F238E27FC236}">
-                <a16:creationId xmlns:a16="http://schemas.microsoft.com/office/drawing/2014/main" id="{7306B55D-8FB3-4359-9509-972C950EF0D9}"/>
+                <a16:creationId xmlns:a16="http://schemas.microsoft.com/office/drawing/2014/main" id="{55A23F98-A49D-4903-8B0B-7B2257A66355}"/>
               </a:ext>
             </a:extLst>
           </p:cNvPr>
@@ -4960,7 +4809,7 @@
             <a:spLocks noGrp="1"/>
           </p:cNvSpPr>
           <p:nvPr>
-            <p:ph type="sldNum" sz="quarter" idx="10"/>
+            <p:ph type="sldNum" sz="quarter" idx="4"/>
           </p:nvPr>
         </p:nvSpPr>
         <p:spPr/>
@@ -4968,18 +4817,13 @@
           <a:bodyPr/>
           <a:lstStyle/>
           <a:p>
-            <a:pPr>
-              <a:defRPr/>
-            </a:pPr>
             <a:r>
               <a:rPr lang="en-US"/>
               <a:t>Course Intro 01- </a:t>
             </a:r>
             <a:fld id="{060BD193-E118-4B16-863C-C8C12C675E3E}" type="slidenum">
               <a:rPr lang="en-US" smtClean="0"/>
-              <a:pPr>
-                <a:defRPr/>
-              </a:pPr>
+              <a:pPr/>
               <a:t>5</a:t>
             </a:fld>
             <a:endParaRPr lang="en-US" dirty="0"/>
@@ -5154,10 +4998,10 @@
       </p:sp>
       <p:sp>
         <p:nvSpPr>
-          <p:cNvPr id="2" name="Slide Number Placeholder 1">
+          <p:cNvPr id="3" name="Slide Number Placeholder 2">
             <a:extLst>
               <a:ext uri="{FF2B5EF4-FFF2-40B4-BE49-F238E27FC236}">
-                <a16:creationId xmlns:a16="http://schemas.microsoft.com/office/drawing/2014/main" id="{642DA651-D770-4698-957E-42B10B096537}"/>
+                <a16:creationId xmlns:a16="http://schemas.microsoft.com/office/drawing/2014/main" id="{11497C78-2E0D-40F9-B4CC-DBBB0A956C91}"/>
               </a:ext>
             </a:extLst>
           </p:cNvPr>
@@ -5165,7 +5009,7 @@
             <a:spLocks noGrp="1"/>
           </p:cNvSpPr>
           <p:nvPr>
-            <p:ph type="sldNum" sz="quarter" idx="10"/>
+            <p:ph type="sldNum" sz="quarter" idx="4"/>
           </p:nvPr>
         </p:nvSpPr>
         <p:spPr/>
@@ -5173,18 +5017,13 @@
           <a:bodyPr/>
           <a:lstStyle/>
           <a:p>
-            <a:pPr>
-              <a:defRPr/>
-            </a:pPr>
             <a:r>
               <a:rPr lang="en-US"/>
               <a:t>Course Intro 01- </a:t>
             </a:r>
             <a:fld id="{060BD193-E118-4B16-863C-C8C12C675E3E}" type="slidenum">
               <a:rPr lang="en-US" smtClean="0"/>
-              <a:pPr>
-                <a:defRPr/>
-              </a:pPr>
+              <a:pPr/>
               <a:t>6</a:t>
             </a:fld>
             <a:endParaRPr lang="en-US" dirty="0"/>
@@ -5196,6 +5035,18 @@
   <p:clrMapOvr>
     <a:masterClrMapping/>
   </p:clrMapOvr>
+  <mc:AlternateContent xmlns:mc="http://schemas.openxmlformats.org/markup-compatibility/2006" xmlns:p14="http://schemas.microsoft.com/office/powerpoint/2010/main">
+    <mc:Choice Requires="p14">
+      <p:transition spd="med" p14:dur="700">
+        <p:fade/>
+      </p:transition>
+    </mc:Choice>
+    <mc:Fallback xmlns="">
+      <p:transition spd="med">
+        <p:fade/>
+      </p:transition>
+    </mc:Fallback>
+  </mc:AlternateContent>
 </p:sld>
 </file>
 
@@ -5216,141 +5067,52 @@
           <a:chExt cx="0" cy="0"/>
         </a:xfrm>
       </p:grpSpPr>
-      <p:sp>
-        <p:nvSpPr>
-          <p:cNvPr id="2" name="Footer Placeholder 1">
-            <a:extLst>
-              <a:ext uri="{FF2B5EF4-FFF2-40B4-BE49-F238E27FC236}">
-                <a16:creationId xmlns:a16="http://schemas.microsoft.com/office/drawing/2014/main" id="{EA217064-6439-443E-9125-1D2BE1C00AB5}"/>
-              </a:ext>
-            </a:extLst>
-          </p:cNvPr>
-          <p:cNvSpPr>
-            <a:spLocks noGrp="1"/>
-          </p:cNvSpPr>
-          <p:nvPr>
-            <p:ph type="ftr" sz="quarter" idx="3"/>
-          </p:nvPr>
-        </p:nvSpPr>
-        <p:spPr>
-          <a:xfrm>
-            <a:off x="4164515" y="6579165"/>
-            <a:ext cx="3859795" cy="246888"/>
-          </a:xfrm>
-          <a:prstGeom prst="rect">
-            <a:avLst/>
-          </a:prstGeom>
-        </p:spPr>
-        <p:txBody>
-          <a:bodyPr vert="horz" lIns="91440" tIns="45720" rIns="91440" bIns="45720" rtlCol="0" anchor="ctr"/>
-          <a:lstStyle>
-            <a:defPPr>
-              <a:defRPr lang="en-US"/>
-            </a:defPPr>
-            <a:lvl1pPr marL="0" algn="ctr" defTabSz="914400" rtl="0" eaLnBrk="1" latinLnBrk="0" hangingPunct="1">
-              <a:defRPr sz="1000" kern="1200">
-                <a:solidFill>
-                  <a:schemeClr val="tx1"/>
-                </a:solidFill>
-                <a:latin typeface="+mn-lt"/>
-                <a:ea typeface="+mn-ea"/>
-                <a:cs typeface="+mn-cs"/>
-              </a:defRPr>
-            </a:lvl1pPr>
-            <a:lvl2pPr marL="457200" algn="l" defTabSz="914400" rtl="0" eaLnBrk="1" latinLnBrk="0" hangingPunct="1">
-              <a:defRPr sz="1800" kern="1200">
-                <a:solidFill>
-                  <a:schemeClr val="tx1"/>
-                </a:solidFill>
-                <a:latin typeface="+mn-lt"/>
-                <a:ea typeface="+mn-ea"/>
-                <a:cs typeface="+mn-cs"/>
-              </a:defRPr>
-            </a:lvl2pPr>
-            <a:lvl3pPr marL="914400" algn="l" defTabSz="914400" rtl="0" eaLnBrk="1" latinLnBrk="0" hangingPunct="1">
-              <a:defRPr sz="1800" kern="1200">
-                <a:solidFill>
-                  <a:schemeClr val="tx1"/>
-                </a:solidFill>
-                <a:latin typeface="+mn-lt"/>
-                <a:ea typeface="+mn-ea"/>
-                <a:cs typeface="+mn-cs"/>
-              </a:defRPr>
-            </a:lvl3pPr>
-            <a:lvl4pPr marL="1371600" algn="l" defTabSz="914400" rtl="0" eaLnBrk="1" latinLnBrk="0" hangingPunct="1">
-              <a:defRPr sz="1800" kern="1200">
-                <a:solidFill>
-                  <a:schemeClr val="tx1"/>
-                </a:solidFill>
-                <a:latin typeface="+mn-lt"/>
-                <a:ea typeface="+mn-ea"/>
-                <a:cs typeface="+mn-cs"/>
-              </a:defRPr>
-            </a:lvl4pPr>
-            <a:lvl5pPr marL="1828800" algn="l" defTabSz="914400" rtl="0" eaLnBrk="1" latinLnBrk="0" hangingPunct="1">
-              <a:defRPr sz="1800" kern="1200">
-                <a:solidFill>
-                  <a:schemeClr val="tx1"/>
-                </a:solidFill>
-                <a:latin typeface="+mn-lt"/>
-                <a:ea typeface="+mn-ea"/>
-                <a:cs typeface="+mn-cs"/>
-              </a:defRPr>
-            </a:lvl5pPr>
-            <a:lvl6pPr marL="2286000" algn="l" defTabSz="914400" rtl="0" eaLnBrk="1" latinLnBrk="0" hangingPunct="1">
-              <a:defRPr sz="1800" kern="1200">
-                <a:solidFill>
-                  <a:schemeClr val="tx1"/>
-                </a:solidFill>
-                <a:latin typeface="+mn-lt"/>
-                <a:ea typeface="+mn-ea"/>
-                <a:cs typeface="+mn-cs"/>
-              </a:defRPr>
-            </a:lvl6pPr>
-            <a:lvl7pPr marL="2743200" algn="l" defTabSz="914400" rtl="0" eaLnBrk="1" latinLnBrk="0" hangingPunct="1">
-              <a:defRPr sz="1800" kern="1200">
-                <a:solidFill>
-                  <a:schemeClr val="tx1"/>
-                </a:solidFill>
-                <a:latin typeface="+mn-lt"/>
-                <a:ea typeface="+mn-ea"/>
-                <a:cs typeface="+mn-cs"/>
-              </a:defRPr>
-            </a:lvl7pPr>
-            <a:lvl8pPr marL="3200400" algn="l" defTabSz="914400" rtl="0" eaLnBrk="1" latinLnBrk="0" hangingPunct="1">
-              <a:defRPr sz="1800" kern="1200">
-                <a:solidFill>
-                  <a:schemeClr val="tx1"/>
-                </a:solidFill>
-                <a:latin typeface="+mn-lt"/>
-                <a:ea typeface="+mn-ea"/>
-                <a:cs typeface="+mn-cs"/>
-              </a:defRPr>
-            </a:lvl8pPr>
-            <a:lvl9pPr marL="3657600" algn="l" defTabSz="914400" rtl="0" eaLnBrk="1" latinLnBrk="0" hangingPunct="1">
-              <a:defRPr sz="1800" kern="1200">
-                <a:solidFill>
-                  <a:schemeClr val="tx1"/>
-                </a:solidFill>
-                <a:latin typeface="+mn-lt"/>
-                <a:ea typeface="+mn-ea"/>
-                <a:cs typeface="+mn-cs"/>
-              </a:defRPr>
-            </a:lvl9pPr>
-          </a:lstStyle>
-          <a:p>
-            <a:r>
-              <a:rPr lang="en-US"/>
-              <a:t>© Copyright 2018 Xilinx</a:t>
-            </a:r>
-            <a:endParaRPr lang="en-US" dirty="0"/>
-          </a:p>
-        </p:txBody>
-      </p:sp>
     </p:spTree>
     <p:extLst>
       <p:ext uri="{BB962C8B-B14F-4D97-AF65-F5344CB8AC3E}">
         <p14:creationId xmlns:p14="http://schemas.microsoft.com/office/powerpoint/2010/main" val="3957938543"/>
+      </p:ext>
+    </p:extLst>
+  </p:cSld>
+  <p:clrMapOvr>
+    <a:masterClrMapping/>
+  </p:clrMapOvr>
+  <mc:AlternateContent xmlns:mc="http://schemas.openxmlformats.org/markup-compatibility/2006" xmlns:p14="http://schemas.microsoft.com/office/powerpoint/2010/main">
+    <mc:Choice Requires="p14">
+      <p:transition spd="med" p14:dur="700">
+        <p:fade/>
+      </p:transition>
+    </mc:Choice>
+    <mc:Fallback xmlns="">
+      <p:transition spd="med">
+        <p:fade/>
+      </p:transition>
+    </mc:Fallback>
+  </mc:AlternateContent>
+</p:sld>
+</file>
+
+<file path=ppt/slides/slide8.xml><?xml version="1.0" encoding="utf-8"?>
+<p:sld xmlns:a="http://schemas.openxmlformats.org/drawingml/2006/main" xmlns:r="http://schemas.openxmlformats.org/officeDocument/2006/relationships" xmlns:p="http://schemas.openxmlformats.org/presentationml/2006/main">
+  <p:cSld>
+    <p:spTree>
+      <p:nvGrpSpPr>
+        <p:cNvPr id="1" name=""/>
+        <p:cNvGrpSpPr/>
+        <p:nvPr/>
+      </p:nvGrpSpPr>
+      <p:grpSpPr>
+        <a:xfrm>
+          <a:off x="0" y="0"/>
+          <a:ext cx="0" cy="0"/>
+          <a:chOff x="0" y="0"/>
+          <a:chExt cx="0" cy="0"/>
+        </a:xfrm>
+      </p:grpSpPr>
+    </p:spTree>
+    <p:extLst>
+      <p:ext uri="{BB962C8B-B14F-4D97-AF65-F5344CB8AC3E}">
+        <p14:creationId xmlns:p14="http://schemas.microsoft.com/office/powerpoint/2010/main" val="3000253592"/>
       </p:ext>
     </p:extLst>
   </p:cSld>
@@ -6207,6 +5969,21 @@
 </file>
 
 <file path=customXml/item1.xml><?xml version="1.0" encoding="utf-8"?>
+<?mso-contentType ?>
+<FormTemplates xmlns="http://schemas.microsoft.com/sharepoint/v3/contenttype/forms">
+  <Display>DocumentLibraryForm</Display>
+  <Edit>DocumentLibraryForm</Edit>
+  <New>DocumentLibraryForm</New>
+</FormTemplates>
+</file>
+
+<file path=customXml/item2.xml><?xml version="1.0" encoding="utf-8"?>
+<p:properties xmlns:p="http://schemas.microsoft.com/office/2006/metadata/properties" xmlns:xsi="http://www.w3.org/2001/XMLSchema-instance" xmlns:pc="http://schemas.microsoft.com/office/infopath/2007/PartnerControls">
+  <documentManagement/>
+</p:properties>
+</file>
+
+<file path=customXml/item3.xml><?xml version="1.0" encoding="utf-8"?>
 <ct:contentTypeSchema xmlns:ct="http://schemas.microsoft.com/office/2006/metadata/contentType" xmlns:ma="http://schemas.microsoft.com/office/2006/metadata/properties/metaAttributes" ct:_="" ma:_="" ma:contentTypeName="Document" ma:contentTypeID="0x01010058A00A9B6178BD498632E37D0AD5CC8E" ma:contentTypeVersion="3" ma:contentTypeDescription="Create a new document." ma:contentTypeScope="" ma:versionID="fbaca91dc24b034817257c3a25d93af0">
   <xsd:schema xmlns:xsd="http://www.w3.org/2001/XMLSchema" xmlns:xs="http://www.w3.org/2001/XMLSchema" xmlns:p="http://schemas.microsoft.com/office/2006/metadata/properties" xmlns:ns2="ee71d666-e06f-4bed-b53d-75a975332d6d" targetNamespace="http://schemas.microsoft.com/office/2006/metadata/properties" ma:root="true" ma:fieldsID="14a92504b4f4f9b68fc7bcdaff1e0a50" ns2:_="">
     <xsd:import namespace="ee71d666-e06f-4bed-b53d-75a975332d6d"/>
@@ -6338,35 +6115,10 @@
 </ct:contentTypeSchema>
 </file>
 
-<file path=customXml/item2.xml><?xml version="1.0" encoding="utf-8"?>
-<p:properties xmlns:p="http://schemas.microsoft.com/office/2006/metadata/properties" xmlns:xsi="http://www.w3.org/2001/XMLSchema-instance" xmlns:pc="http://schemas.microsoft.com/office/infopath/2007/PartnerControls">
-  <documentManagement/>
-</p:properties>
-</file>
-
-<file path=customXml/item3.xml><?xml version="1.0" encoding="utf-8"?>
-<?mso-contentType ?>
-<FormTemplates xmlns="http://schemas.microsoft.com/sharepoint/v3/contenttype/forms">
-  <Display>DocumentLibraryForm</Display>
-  <Edit>DocumentLibraryForm</Edit>
-  <New>DocumentLibraryForm</New>
-</FormTemplates>
-</file>
-
 <file path=customXml/itemProps1.xml><?xml version="1.0" encoding="utf-8"?>
-<ds:datastoreItem xmlns:ds="http://schemas.openxmlformats.org/officeDocument/2006/customXml" ds:itemID="{F4DF82DF-52AA-4D1D-AC7B-8F45A830CAFE}">
+<ds:datastoreItem xmlns:ds="http://schemas.openxmlformats.org/officeDocument/2006/customXml" ds:itemID="{ABE94A12-9E97-40EB-A974-3BC9F5C18103}">
   <ds:schemaRefs>
-    <ds:schemaRef ds:uri="http://schemas.microsoft.com/office/2006/metadata/contentType"/>
-    <ds:schemaRef ds:uri="http://schemas.microsoft.com/office/2006/metadata/properties/metaAttributes"/>
-    <ds:schemaRef ds:uri="http://www.w3.org/2001/XMLSchema"/>
-    <ds:schemaRef ds:uri="http://schemas.microsoft.com/office/2006/metadata/properties"/>
-    <ds:schemaRef ds:uri="ee71d666-e06f-4bed-b53d-75a975332d6d"/>
-    <ds:schemaRef ds:uri="http://schemas.microsoft.com/office/2006/documentManagement/types"/>
-    <ds:schemaRef ds:uri="http://schemas.microsoft.com/office/infopath/2007/PartnerControls"/>
-    <ds:schemaRef ds:uri="http://schemas.openxmlformats.org/package/2006/metadata/core-properties"/>
-    <ds:schemaRef ds:uri="http://purl.org/dc/elements/1.1/"/>
-    <ds:schemaRef ds:uri="http://purl.org/dc/terms/"/>
-    <ds:schemaRef ds:uri="http://schemas.microsoft.com/internal/obd"/>
+    <ds:schemaRef ds:uri="http://schemas.microsoft.com/sharepoint/v3/contenttype/forms"/>
   </ds:schemaRefs>
 </ds:datastoreItem>
 </file>
@@ -6388,9 +6140,19 @@
 </file>
 
 <file path=customXml/itemProps3.xml><?xml version="1.0" encoding="utf-8"?>
-<ds:datastoreItem xmlns:ds="http://schemas.openxmlformats.org/officeDocument/2006/customXml" ds:itemID="{ABE94A12-9E97-40EB-A974-3BC9F5C18103}">
+<ds:datastoreItem xmlns:ds="http://schemas.openxmlformats.org/officeDocument/2006/customXml" ds:itemID="{F4DF82DF-52AA-4D1D-AC7B-8F45A830CAFE}">
   <ds:schemaRefs>
-    <ds:schemaRef ds:uri="http://schemas.microsoft.com/sharepoint/v3/contenttype/forms"/>
+    <ds:schemaRef ds:uri="http://schemas.microsoft.com/office/2006/metadata/contentType"/>
+    <ds:schemaRef ds:uri="http://schemas.microsoft.com/office/2006/metadata/properties/metaAttributes"/>
+    <ds:schemaRef ds:uri="http://www.w3.org/2001/XMLSchema"/>
+    <ds:schemaRef ds:uri="http://schemas.microsoft.com/office/2006/metadata/properties"/>
+    <ds:schemaRef ds:uri="ee71d666-e06f-4bed-b53d-75a975332d6d"/>
+    <ds:schemaRef ds:uri="http://schemas.microsoft.com/office/2006/documentManagement/types"/>
+    <ds:schemaRef ds:uri="http://schemas.microsoft.com/office/infopath/2007/PartnerControls"/>
+    <ds:schemaRef ds:uri="http://schemas.openxmlformats.org/package/2006/metadata/core-properties"/>
+    <ds:schemaRef ds:uri="http://purl.org/dc/elements/1.1/"/>
+    <ds:schemaRef ds:uri="http://purl.org/dc/terms/"/>
+    <ds:schemaRef ds:uri="http://schemas.microsoft.com/internal/obd"/>
   </ds:schemaRefs>
 </ds:datastoreItem>
 </file>